--- a/Presentatie/LCD (TU layout).pptx
+++ b/Presentatie/LCD (TU layout).pptx
@@ -5,10 +5,10 @@
     <p:sldMasterId id="2147483649" r:id="rId1"/>
   </p:sldMasterIdLst>
   <p:notesMasterIdLst>
-    <p:notesMasterId r:id="rId8"/>
+    <p:notesMasterId r:id="rId9"/>
   </p:notesMasterIdLst>
   <p:handoutMasterIdLst>
-    <p:handoutMasterId r:id="rId9"/>
+    <p:handoutMasterId r:id="rId10"/>
   </p:handoutMasterIdLst>
   <p:sldIdLst>
     <p:sldId id="256" r:id="rId2"/>
@@ -17,6 +17,7 @@
     <p:sldId id="259" r:id="rId5"/>
     <p:sldId id="260" r:id="rId6"/>
     <p:sldId id="261" r:id="rId7"/>
+    <p:sldId id="262" r:id="rId8"/>
   </p:sldIdLst>
   <p:sldSz cx="9144000" cy="6858000" type="screen4x3"/>
   <p:notesSz cx="6794500" cy="9931400"/>
@@ -4901,10 +4902,6 @@
               </a:rPr>
               <a:t>LCD</a:t>
             </a:r>
-            <a:endParaRPr lang="nl-NL" altLang="nl-NL" dirty="0" smtClean="0">
-              <a:latin typeface="+mn-lt"/>
-              <a:ea typeface="ＭＳ Ｐゴシック" pitchFamily="34" charset="-128"/>
-            </a:endParaRPr>
           </a:p>
         </p:txBody>
       </p:sp>
@@ -5061,13 +5058,6 @@
               </a:rPr>
               <a:t>Het totale systeem</a:t>
             </a:r>
-            <a:endParaRPr lang="nl-NL" altLang="nl-NL" sz="2000" dirty="0" smtClean="0">
-              <a:solidFill>
-                <a:srgbClr val="00A6D6"/>
-              </a:solidFill>
-              <a:latin typeface="Tahoma"/>
-              <a:ea typeface="ＭＳ Ｐゴシック" charset="-128"/>
-            </a:endParaRPr>
           </a:p>
         </p:txBody>
       </p:sp>
@@ -5340,10 +5330,6 @@
               </a:rPr>
               <a:t>LCD</a:t>
             </a:r>
-            <a:endParaRPr lang="nl-NL" altLang="nl-NL" dirty="0" smtClean="0">
-              <a:latin typeface="+mn-lt"/>
-              <a:ea typeface="ＭＳ Ｐゴシック" pitchFamily="34" charset="-128"/>
-            </a:endParaRPr>
           </a:p>
         </p:txBody>
       </p:sp>
@@ -5500,13 +5486,6 @@
               </a:rPr>
               <a:t>Werking display</a:t>
             </a:r>
-            <a:endParaRPr lang="nl-NL" altLang="nl-NL" sz="2000" dirty="0" smtClean="0">
-              <a:solidFill>
-                <a:srgbClr val="00A6D6"/>
-              </a:solidFill>
-              <a:latin typeface="Tahoma"/>
-              <a:ea typeface="ＭＳ Ｐゴシック" charset="-128"/>
-            </a:endParaRPr>
           </a:p>
         </p:txBody>
       </p:sp>
@@ -5766,10 +5745,6 @@
               </a:rPr>
               <a:t>LCD</a:t>
             </a:r>
-            <a:endParaRPr lang="nl-NL" altLang="nl-NL" dirty="0" smtClean="0">
-              <a:latin typeface="+mn-lt"/>
-              <a:ea typeface="ＭＳ Ｐゴシック" pitchFamily="34" charset="-128"/>
-            </a:endParaRPr>
           </a:p>
         </p:txBody>
       </p:sp>
@@ -5926,13 +5901,6 @@
               </a:rPr>
               <a:t>LCD controller chip</a:t>
             </a:r>
-            <a:endParaRPr lang="nl-NL" altLang="nl-NL" sz="2000" dirty="0" smtClean="0">
-              <a:solidFill>
-                <a:srgbClr val="00A6D6"/>
-              </a:solidFill>
-              <a:latin typeface="Tahoma"/>
-              <a:ea typeface="ＭＳ Ｐゴシック" charset="-128"/>
-            </a:endParaRPr>
           </a:p>
         </p:txBody>
       </p:sp>
@@ -6029,10 +5997,6 @@
               </a:rPr>
               <a:t>LCD</a:t>
             </a:r>
-            <a:endParaRPr lang="nl-NL" altLang="nl-NL" dirty="0" smtClean="0">
-              <a:latin typeface="+mn-lt"/>
-              <a:ea typeface="ＭＳ Ｐゴシック" pitchFamily="34" charset="-128"/>
-            </a:endParaRPr>
           </a:p>
         </p:txBody>
       </p:sp>
@@ -6189,13 +6153,6 @@
               </a:rPr>
               <a:t>Data omzetting, vb. datum</a:t>
             </a:r>
-            <a:endParaRPr lang="nl-NL" altLang="nl-NL" sz="2000" dirty="0" smtClean="0">
-              <a:solidFill>
-                <a:srgbClr val="00A6D6"/>
-              </a:solidFill>
-              <a:latin typeface="Tahoma"/>
-              <a:ea typeface="ＭＳ Ｐゴシック" charset="-128"/>
-            </a:endParaRPr>
           </a:p>
         </p:txBody>
       </p:sp>
@@ -6350,10 +6307,6 @@
               </a:rPr>
               <a:t>LCD</a:t>
             </a:r>
-            <a:endParaRPr lang="nl-NL" altLang="nl-NL" dirty="0" smtClean="0">
-              <a:latin typeface="+mn-lt"/>
-              <a:ea typeface="ＭＳ Ｐゴシック" pitchFamily="34" charset="-128"/>
-            </a:endParaRPr>
           </a:p>
         </p:txBody>
       </p:sp>
@@ -6510,13 +6463,6 @@
               </a:rPr>
               <a:t>Proces positie bepaling</a:t>
             </a:r>
-            <a:endParaRPr lang="nl-NL" altLang="nl-NL" sz="2000" dirty="0" smtClean="0">
-              <a:solidFill>
-                <a:srgbClr val="00A6D6"/>
-              </a:solidFill>
-              <a:latin typeface="Tahoma"/>
-              <a:ea typeface="ＭＳ Ｐゴシック" charset="-128"/>
-            </a:endParaRPr>
           </a:p>
         </p:txBody>
       </p:sp>
@@ -7323,7 +7269,7 @@
           </a:ln>
           <a:extLst>
             <a:ext uri="{C572A759-6A51-4108-AA02-DFA0A04FC94B}">
-              <ma14:wrappingTextBoxFlag xmlns:ma14="http://schemas.microsoft.com/office/mac/drawingml/2011/main" xmlns="" val="1"/>
+              <ma14:wrappingTextBoxFlag xmlns="" xmlns:ma14="http://schemas.microsoft.com/office/mac/drawingml/2011/main" val="1"/>
             </a:ext>
           </a:extLst>
         </p:spPr>
@@ -7376,6 +7322,452 @@
       </p:par>
     </p:tnLst>
   </p:timing>
+</p:sld>
+</file>
+
+<file path=ppt/slides/slide7.xml><?xml version="1.0" encoding="utf-8"?>
+<p:sld xmlns:a="http://schemas.openxmlformats.org/drawingml/2006/main" xmlns:r="http://schemas.openxmlformats.org/officeDocument/2006/relationships" xmlns:p="http://schemas.openxmlformats.org/presentationml/2006/main">
+  <p:cSld>
+    <p:spTree>
+      <p:nvGrpSpPr>
+        <p:cNvPr id="1" name=""/>
+        <p:cNvGrpSpPr/>
+        <p:nvPr/>
+      </p:nvGrpSpPr>
+      <p:grpSpPr>
+        <a:xfrm>
+          <a:off x="0" y="0"/>
+          <a:ext cx="0" cy="0"/>
+          <a:chOff x="0" y="0"/>
+          <a:chExt cx="0" cy="0"/>
+        </a:xfrm>
+      </p:grpSpPr>
+      <p:sp>
+        <p:nvSpPr>
+          <p:cNvPr id="4" name="Title 3"/>
+          <p:cNvSpPr txBox="1">
+            <a:spLocks/>
+          </p:cNvSpPr>
+          <p:nvPr/>
+        </p:nvSpPr>
+        <p:spPr bwMode="auto">
+          <a:xfrm>
+            <a:off x="915193" y="502892"/>
+            <a:ext cx="7159625" cy="627063"/>
+          </a:xfrm>
+          <a:prstGeom prst="rect">
+            <a:avLst/>
+          </a:prstGeom>
+          <a:noFill/>
+          <a:ln>
+            <a:noFill/>
+          </a:ln>
+          <a:extLst>
+            <a:ext uri="{909E8E84-426E-40DD-AFC4-6F175D3DCCD1}">
+              <a14:hiddenFill xmlns:a14="http://schemas.microsoft.com/office/drawing/2010/main">
+                <a:solidFill>
+                  <a:srgbClr val="FFFFFF"/>
+                </a:solidFill>
+              </a14:hiddenFill>
+            </a:ext>
+            <a:ext uri="{91240B29-F687-4F45-9708-019B960494DF}">
+              <a14:hiddenLine xmlns:a14="http://schemas.microsoft.com/office/drawing/2010/main" w="9525">
+                <a:solidFill>
+                  <a:srgbClr val="000000"/>
+                </a:solidFill>
+                <a:miter lim="800000"/>
+                <a:headEnd/>
+                <a:tailEnd/>
+              </a14:hiddenLine>
+            </a:ext>
+          </a:extLst>
+        </p:spPr>
+        <p:txBody>
+          <a:bodyPr vert="horz" wrap="square" lIns="0" tIns="0" rIns="0" bIns="0" numCol="1" anchor="t" anchorCtr="0" compatLnSpc="1">
+            <a:prstTxWarp prst="textNoShape">
+              <a:avLst/>
+            </a:prstTxWarp>
+          </a:bodyPr>
+          <a:lstStyle>
+            <a:lvl1pPr marL="857250" indent="-857250" algn="l" rtl="0" eaLnBrk="0" fontAlgn="base" hangingPunct="0">
+              <a:spcBef>
+                <a:spcPct val="0"/>
+              </a:spcBef>
+              <a:spcAft>
+                <a:spcPct val="0"/>
+              </a:spcAft>
+              <a:defRPr sz="4000" b="1" cap="all">
+                <a:solidFill>
+                  <a:schemeClr val="tx1"/>
+                </a:solidFill>
+                <a:latin typeface="+mj-lt"/>
+                <a:ea typeface="ＭＳ Ｐゴシック" charset="-128"/>
+                <a:cs typeface="ＭＳ Ｐゴシック" charset="-128"/>
+              </a:defRPr>
+            </a:lvl1pPr>
+            <a:lvl2pPr marL="857250" indent="-857250" algn="l" rtl="0" eaLnBrk="0" fontAlgn="base" hangingPunct="0">
+              <a:spcBef>
+                <a:spcPct val="0"/>
+              </a:spcBef>
+              <a:spcAft>
+                <a:spcPct val="0"/>
+              </a:spcAft>
+              <a:defRPr sz="3300">
+                <a:solidFill>
+                  <a:schemeClr val="tx1"/>
+                </a:solidFill>
+                <a:latin typeface="Bookman Old Style" pitchFamily="18" charset="0"/>
+                <a:ea typeface="ＭＳ Ｐゴシック" charset="-128"/>
+                <a:cs typeface="ＭＳ Ｐゴシック" charset="-128"/>
+              </a:defRPr>
+            </a:lvl2pPr>
+            <a:lvl3pPr marL="857250" indent="-857250" algn="l" rtl="0" eaLnBrk="0" fontAlgn="base" hangingPunct="0">
+              <a:spcBef>
+                <a:spcPct val="0"/>
+              </a:spcBef>
+              <a:spcAft>
+                <a:spcPct val="0"/>
+              </a:spcAft>
+              <a:defRPr sz="3300">
+                <a:solidFill>
+                  <a:schemeClr val="tx1"/>
+                </a:solidFill>
+                <a:latin typeface="Bookman Old Style" pitchFamily="18" charset="0"/>
+                <a:ea typeface="ＭＳ Ｐゴシック" charset="-128"/>
+                <a:cs typeface="ＭＳ Ｐゴシック" charset="-128"/>
+              </a:defRPr>
+            </a:lvl3pPr>
+            <a:lvl4pPr marL="857250" indent="-857250" algn="l" rtl="0" eaLnBrk="0" fontAlgn="base" hangingPunct="0">
+              <a:spcBef>
+                <a:spcPct val="0"/>
+              </a:spcBef>
+              <a:spcAft>
+                <a:spcPct val="0"/>
+              </a:spcAft>
+              <a:defRPr sz="3300">
+                <a:solidFill>
+                  <a:schemeClr val="tx1"/>
+                </a:solidFill>
+                <a:latin typeface="Bookman Old Style" pitchFamily="18" charset="0"/>
+                <a:ea typeface="ＭＳ Ｐゴシック" charset="-128"/>
+                <a:cs typeface="ＭＳ Ｐゴシック" charset="-128"/>
+              </a:defRPr>
+            </a:lvl4pPr>
+            <a:lvl5pPr marL="857250" indent="-857250" algn="l" rtl="0" eaLnBrk="0" fontAlgn="base" hangingPunct="0">
+              <a:spcBef>
+                <a:spcPct val="0"/>
+              </a:spcBef>
+              <a:spcAft>
+                <a:spcPct val="0"/>
+              </a:spcAft>
+              <a:defRPr sz="3300">
+                <a:solidFill>
+                  <a:schemeClr val="tx1"/>
+                </a:solidFill>
+                <a:latin typeface="Bookman Old Style" pitchFamily="18" charset="0"/>
+                <a:ea typeface="ＭＳ Ｐゴシック" charset="-128"/>
+                <a:cs typeface="ＭＳ Ｐゴシック" charset="-128"/>
+              </a:defRPr>
+            </a:lvl5pPr>
+            <a:lvl6pPr marL="1314450" indent="-857250" algn="l" rtl="0" eaLnBrk="0" fontAlgn="base" hangingPunct="0">
+              <a:spcBef>
+                <a:spcPct val="0"/>
+              </a:spcBef>
+              <a:spcAft>
+                <a:spcPct val="0"/>
+              </a:spcAft>
+              <a:defRPr sz="3300">
+                <a:solidFill>
+                  <a:schemeClr val="tx1"/>
+                </a:solidFill>
+                <a:latin typeface="Bookman Old Style" pitchFamily="18" charset="0"/>
+              </a:defRPr>
+            </a:lvl6pPr>
+            <a:lvl7pPr marL="1771650" indent="-857250" algn="l" rtl="0" eaLnBrk="0" fontAlgn="base" hangingPunct="0">
+              <a:spcBef>
+                <a:spcPct val="0"/>
+              </a:spcBef>
+              <a:spcAft>
+                <a:spcPct val="0"/>
+              </a:spcAft>
+              <a:defRPr sz="3300">
+                <a:solidFill>
+                  <a:schemeClr val="tx1"/>
+                </a:solidFill>
+                <a:latin typeface="Bookman Old Style" pitchFamily="18" charset="0"/>
+              </a:defRPr>
+            </a:lvl7pPr>
+            <a:lvl8pPr marL="2228850" indent="-857250" algn="l" rtl="0" eaLnBrk="0" fontAlgn="base" hangingPunct="0">
+              <a:spcBef>
+                <a:spcPct val="0"/>
+              </a:spcBef>
+              <a:spcAft>
+                <a:spcPct val="0"/>
+              </a:spcAft>
+              <a:defRPr sz="3300">
+                <a:solidFill>
+                  <a:schemeClr val="tx1"/>
+                </a:solidFill>
+                <a:latin typeface="Bookman Old Style" pitchFamily="18" charset="0"/>
+              </a:defRPr>
+            </a:lvl8pPr>
+            <a:lvl9pPr marL="2686050" indent="-857250" algn="l" rtl="0" eaLnBrk="0" fontAlgn="base" hangingPunct="0">
+              <a:spcBef>
+                <a:spcPct val="0"/>
+              </a:spcBef>
+              <a:spcAft>
+                <a:spcPct val="0"/>
+              </a:spcAft>
+              <a:defRPr sz="3300">
+                <a:solidFill>
+                  <a:schemeClr val="tx1"/>
+                </a:solidFill>
+                <a:latin typeface="Bookman Old Style" pitchFamily="18" charset="0"/>
+              </a:defRPr>
+            </a:lvl9pPr>
+          </a:lstStyle>
+          <a:p>
+            <a:pPr>
+              <a:defRPr/>
+            </a:pPr>
+            <a:r>
+              <a:rPr lang="nl-NL" altLang="nl-NL" sz="3300" b="0" kern="0" dirty="0" smtClean="0">
+                <a:latin typeface="+mn-lt"/>
+                <a:ea typeface="ＭＳ Ｐゴシック" pitchFamily="34" charset="-128"/>
+              </a:rPr>
+              <a:t>LCD</a:t>
+            </a:r>
+            <a:endParaRPr lang="nl-NL" altLang="nl-NL" sz="3300" b="0" kern="0" dirty="0" smtClean="0">
+              <a:latin typeface="+mn-lt"/>
+              <a:ea typeface="ＭＳ Ｐゴシック" pitchFamily="34" charset="-128"/>
+            </a:endParaRPr>
+          </a:p>
+        </p:txBody>
+      </p:sp>
+      <p:sp>
+        <p:nvSpPr>
+          <p:cNvPr id="5" name="Ondertitel 2"/>
+          <p:cNvSpPr txBox="1">
+            <a:spLocks/>
+          </p:cNvSpPr>
+          <p:nvPr/>
+        </p:nvSpPr>
+        <p:spPr bwMode="auto">
+          <a:xfrm>
+            <a:off x="914400" y="1041400"/>
+            <a:ext cx="6781800" cy="474663"/>
+          </a:xfrm>
+          <a:prstGeom prst="rect">
+            <a:avLst/>
+          </a:prstGeom>
+          <a:noFill/>
+          <a:ln w="9525">
+            <a:noFill/>
+            <a:miter lim="800000"/>
+            <a:headEnd/>
+            <a:tailEnd/>
+          </a:ln>
+        </p:spPr>
+        <p:txBody>
+          <a:bodyPr lIns="0" tIns="0" rIns="0" bIns="0"/>
+          <a:lstStyle>
+            <a:lvl1pPr eaLnBrk="0" hangingPunct="0">
+              <a:defRPr sz="2400">
+                <a:solidFill>
+                  <a:schemeClr val="tx1"/>
+                </a:solidFill>
+                <a:latin typeface="Tahoma" charset="0"/>
+                <a:cs typeface="Arial" charset="0"/>
+              </a:defRPr>
+            </a:lvl1pPr>
+            <a:lvl2pPr marL="37931725" indent="-37474525" eaLnBrk="0" hangingPunct="0">
+              <a:defRPr sz="2400">
+                <a:solidFill>
+                  <a:schemeClr val="tx1"/>
+                </a:solidFill>
+                <a:latin typeface="Tahoma" charset="0"/>
+                <a:cs typeface="Arial" charset="0"/>
+              </a:defRPr>
+            </a:lvl2pPr>
+            <a:lvl3pPr eaLnBrk="0" hangingPunct="0">
+              <a:defRPr sz="2400">
+                <a:solidFill>
+                  <a:schemeClr val="tx1"/>
+                </a:solidFill>
+                <a:latin typeface="Tahoma" charset="0"/>
+                <a:cs typeface="Arial" charset="0"/>
+              </a:defRPr>
+            </a:lvl3pPr>
+            <a:lvl4pPr eaLnBrk="0" hangingPunct="0">
+              <a:defRPr sz="2400">
+                <a:solidFill>
+                  <a:schemeClr val="tx1"/>
+                </a:solidFill>
+                <a:latin typeface="Tahoma" charset="0"/>
+                <a:cs typeface="Arial" charset="0"/>
+              </a:defRPr>
+            </a:lvl4pPr>
+            <a:lvl5pPr eaLnBrk="0" hangingPunct="0">
+              <a:defRPr sz="2400">
+                <a:solidFill>
+                  <a:schemeClr val="tx1"/>
+                </a:solidFill>
+                <a:latin typeface="Tahoma" charset="0"/>
+                <a:cs typeface="Arial" charset="0"/>
+              </a:defRPr>
+            </a:lvl5pPr>
+            <a:lvl6pPr marL="457200" eaLnBrk="0" fontAlgn="base" hangingPunct="0">
+              <a:spcBef>
+                <a:spcPct val="0"/>
+              </a:spcBef>
+              <a:spcAft>
+                <a:spcPct val="0"/>
+              </a:spcAft>
+              <a:defRPr sz="2400">
+                <a:solidFill>
+                  <a:schemeClr val="tx1"/>
+                </a:solidFill>
+                <a:latin typeface="Tahoma" charset="0"/>
+                <a:cs typeface="Arial" charset="0"/>
+              </a:defRPr>
+            </a:lvl6pPr>
+            <a:lvl7pPr marL="914400" eaLnBrk="0" fontAlgn="base" hangingPunct="0">
+              <a:spcBef>
+                <a:spcPct val="0"/>
+              </a:spcBef>
+              <a:spcAft>
+                <a:spcPct val="0"/>
+              </a:spcAft>
+              <a:defRPr sz="2400">
+                <a:solidFill>
+                  <a:schemeClr val="tx1"/>
+                </a:solidFill>
+                <a:latin typeface="Tahoma" charset="0"/>
+                <a:cs typeface="Arial" charset="0"/>
+              </a:defRPr>
+            </a:lvl7pPr>
+            <a:lvl8pPr marL="1371600" eaLnBrk="0" fontAlgn="base" hangingPunct="0">
+              <a:spcBef>
+                <a:spcPct val="0"/>
+              </a:spcBef>
+              <a:spcAft>
+                <a:spcPct val="0"/>
+              </a:spcAft>
+              <a:defRPr sz="2400">
+                <a:solidFill>
+                  <a:schemeClr val="tx1"/>
+                </a:solidFill>
+                <a:latin typeface="Tahoma" charset="0"/>
+                <a:cs typeface="Arial" charset="0"/>
+              </a:defRPr>
+            </a:lvl8pPr>
+            <a:lvl9pPr marL="1828800" eaLnBrk="0" fontAlgn="base" hangingPunct="0">
+              <a:spcBef>
+                <a:spcPct val="0"/>
+              </a:spcBef>
+              <a:spcAft>
+                <a:spcPct val="0"/>
+              </a:spcAft>
+              <a:defRPr sz="2400">
+                <a:solidFill>
+                  <a:schemeClr val="tx1"/>
+                </a:solidFill>
+                <a:latin typeface="Tahoma" charset="0"/>
+                <a:cs typeface="Arial" charset="0"/>
+              </a:defRPr>
+            </a:lvl9pPr>
+          </a:lstStyle>
+          <a:p>
+            <a:pPr algn="l">
+              <a:lnSpc>
+                <a:spcPts val="2500"/>
+              </a:lnSpc>
+              <a:buClr>
+                <a:srgbClr val="00A6D6"/>
+              </a:buClr>
+              <a:defRPr/>
+            </a:pPr>
+            <a:r>
+              <a:rPr lang="nl-NL" altLang="nl-NL" sz="2000" dirty="0" smtClean="0">
+                <a:solidFill>
+                  <a:srgbClr val="00A6D6"/>
+                </a:solidFill>
+                <a:latin typeface="Tahoma"/>
+                <a:ea typeface="ＭＳ Ｐゴシック" charset="-128"/>
+              </a:rPr>
+              <a:t>Verzenden van data</a:t>
+            </a:r>
+            <a:endParaRPr lang="nl-NL" altLang="nl-NL" sz="2000" dirty="0" smtClean="0">
+              <a:solidFill>
+                <a:srgbClr val="00A6D6"/>
+              </a:solidFill>
+              <a:latin typeface="Tahoma"/>
+              <a:ea typeface="ＭＳ Ｐゴシック" charset="-128"/>
+            </a:endParaRPr>
+          </a:p>
+        </p:txBody>
+      </p:sp>
+      <p:pic>
+        <p:nvPicPr>
+          <p:cNvPr id="8" name="pasted-image.png"/>
+          <p:cNvPicPr/>
+          <p:nvPr/>
+        </p:nvPicPr>
+        <p:blipFill>
+          <a:blip r:embed="rId2">
+            <a:extLst/>
+          </a:blip>
+          <a:stretch>
+            <a:fillRect/>
+          </a:stretch>
+        </p:blipFill>
+        <p:spPr>
+          <a:xfrm>
+            <a:off x="508001" y="1785698"/>
+            <a:ext cx="5109028" cy="3845845"/>
+          </a:xfrm>
+          <a:prstGeom prst="rect">
+            <a:avLst/>
+          </a:prstGeom>
+          <a:ln w="12700">
+            <a:miter lim="400000"/>
+          </a:ln>
+        </p:spPr>
+      </p:pic>
+      <p:pic>
+        <p:nvPicPr>
+          <p:cNvPr id="9" name="Afbeelding 8"/>
+          <p:cNvPicPr>
+            <a:picLocks noChangeAspect="1"/>
+          </p:cNvPicPr>
+          <p:nvPr/>
+        </p:nvPicPr>
+        <p:blipFill>
+          <a:blip r:embed="rId3"/>
+          <a:stretch>
+            <a:fillRect/>
+          </a:stretch>
+        </p:blipFill>
+        <p:spPr>
+          <a:xfrm>
+            <a:off x="4946373" y="3199256"/>
+            <a:ext cx="3297742" cy="707474"/>
+          </a:xfrm>
+          <a:prstGeom prst="rect">
+            <a:avLst/>
+          </a:prstGeom>
+        </p:spPr>
+      </p:pic>
+    </p:spTree>
+    <p:extLst>
+      <p:ext uri="{BB962C8B-B14F-4D97-AF65-F5344CB8AC3E}">
+        <p14:creationId xmlns:p14="http://schemas.microsoft.com/office/powerpoint/2010/main" val="2382380486"/>
+      </p:ext>
+    </p:extLst>
+  </p:cSld>
+  <p:clrMapOvr>
+    <a:masterClrMapping/>
+  </p:clrMapOvr>
 </p:sld>
 </file>
 

--- a/Presentatie/LCD (TU layout).pptx
+++ b/Presentatie/LCD (TU layout).pptx
@@ -7269,7 +7269,7 @@
           </a:ln>
           <a:extLst>
             <a:ext uri="{C572A759-6A51-4108-AA02-DFA0A04FC94B}">
-              <ma14:wrappingTextBoxFlag xmlns="" xmlns:ma14="http://schemas.microsoft.com/office/mac/drawingml/2011/main" val="1"/>
+              <ma14:wrappingTextBoxFlag xmlns:ma14="http://schemas.microsoft.com/office/mac/drawingml/2011/main" xmlns="" val="1"/>
             </a:ext>
           </a:extLst>
         </p:spPr>
@@ -7537,10 +7537,6 @@
               </a:rPr>
               <a:t>LCD</a:t>
             </a:r>
-            <a:endParaRPr lang="nl-NL" altLang="nl-NL" sz="3300" b="0" kern="0" dirty="0" smtClean="0">
-              <a:latin typeface="+mn-lt"/>
-              <a:ea typeface="ＭＳ Ｐゴシック" pitchFamily="34" charset="-128"/>
-            </a:endParaRPr>
           </a:p>
         </p:txBody>
       </p:sp>
@@ -7697,13 +7693,6 @@
               </a:rPr>
               <a:t>Verzenden van data</a:t>
             </a:r>
-            <a:endParaRPr lang="nl-NL" altLang="nl-NL" sz="2000" dirty="0" smtClean="0">
-              <a:solidFill>
-                <a:srgbClr val="00A6D6"/>
-              </a:solidFill>
-              <a:latin typeface="Tahoma"/>
-              <a:ea typeface="ＭＳ Ｐゴシック" charset="-128"/>
-            </a:endParaRPr>
           </a:p>
         </p:txBody>
       </p:sp>
